--- a/Semana03/Presentación1.pptx
+++ b/Semana03/Presentación1.pptx
@@ -6,6 +6,9 @@
   </p:sldMasterIdLst>
   <p:sldIdLst>
     <p:sldId id="256" r:id="rId2"/>
+    <p:sldId id="258" r:id="rId3"/>
+    <p:sldId id="259" r:id="rId4"/>
+    <p:sldId id="257" r:id="rId5"/>
   </p:sldIdLst>
   <p:sldSz cx="12192000" cy="6858000"/>
   <p:notesSz cx="6858000" cy="9144000"/>
@@ -104,6 +107,11 @@
       </a:defRPr>
     </a:lvl9pPr>
   </p:defaultTextStyle>
+  <p:extLst>
+    <p:ext uri="{EFAFB233-063F-42B5-8137-9DF3F51BA10A}">
+      <p15:sldGuideLst xmlns:p15="http://schemas.microsoft.com/office/powerpoint/2012/main"/>
+    </p:ext>
+  </p:extLst>
 </p:presentation>
 </file>
 
@@ -238,7 +246,7 @@
           <a:p>
             <a:fld id="{53371A1F-F37C-4C33-9AAC-EED40B1C1F3A}" type="datetimeFigureOut">
               <a:rPr lang="en-US" smtClean="0"/>
-              <a:t>4/11/2024</a:t>
+              <a:t>4/12/2024</a:t>
             </a:fld>
             <a:endParaRPr lang="en-US"/>
           </a:p>
@@ -408,7 +416,7 @@
           <a:p>
             <a:fld id="{53371A1F-F37C-4C33-9AAC-EED40B1C1F3A}" type="datetimeFigureOut">
               <a:rPr lang="en-US" smtClean="0"/>
-              <a:t>4/11/2024</a:t>
+              <a:t>4/12/2024</a:t>
             </a:fld>
             <a:endParaRPr lang="en-US"/>
           </a:p>
@@ -588,7 +596,7 @@
           <a:p>
             <a:fld id="{53371A1F-F37C-4C33-9AAC-EED40B1C1F3A}" type="datetimeFigureOut">
               <a:rPr lang="en-US" smtClean="0"/>
-              <a:t>4/11/2024</a:t>
+              <a:t>4/12/2024</a:t>
             </a:fld>
             <a:endParaRPr lang="en-US"/>
           </a:p>
@@ -758,7 +766,7 @@
           <a:p>
             <a:fld id="{53371A1F-F37C-4C33-9AAC-EED40B1C1F3A}" type="datetimeFigureOut">
               <a:rPr lang="en-US" smtClean="0"/>
-              <a:t>4/11/2024</a:t>
+              <a:t>4/12/2024</a:t>
             </a:fld>
             <a:endParaRPr lang="en-US"/>
           </a:p>
@@ -1004,7 +1012,7 @@
           <a:p>
             <a:fld id="{53371A1F-F37C-4C33-9AAC-EED40B1C1F3A}" type="datetimeFigureOut">
               <a:rPr lang="en-US" smtClean="0"/>
-              <a:t>4/11/2024</a:t>
+              <a:t>4/12/2024</a:t>
             </a:fld>
             <a:endParaRPr lang="en-US"/>
           </a:p>
@@ -1236,7 +1244,7 @@
           <a:p>
             <a:fld id="{53371A1F-F37C-4C33-9AAC-EED40B1C1F3A}" type="datetimeFigureOut">
               <a:rPr lang="en-US" smtClean="0"/>
-              <a:t>4/11/2024</a:t>
+              <a:t>4/12/2024</a:t>
             </a:fld>
             <a:endParaRPr lang="en-US"/>
           </a:p>
@@ -1603,7 +1611,7 @@
           <a:p>
             <a:fld id="{53371A1F-F37C-4C33-9AAC-EED40B1C1F3A}" type="datetimeFigureOut">
               <a:rPr lang="en-US" smtClean="0"/>
-              <a:t>4/11/2024</a:t>
+              <a:t>4/12/2024</a:t>
             </a:fld>
             <a:endParaRPr lang="en-US"/>
           </a:p>
@@ -1721,7 +1729,7 @@
           <a:p>
             <a:fld id="{53371A1F-F37C-4C33-9AAC-EED40B1C1F3A}" type="datetimeFigureOut">
               <a:rPr lang="en-US" smtClean="0"/>
-              <a:t>4/11/2024</a:t>
+              <a:t>4/12/2024</a:t>
             </a:fld>
             <a:endParaRPr lang="en-US"/>
           </a:p>
@@ -1816,7 +1824,7 @@
           <a:p>
             <a:fld id="{53371A1F-F37C-4C33-9AAC-EED40B1C1F3A}" type="datetimeFigureOut">
               <a:rPr lang="en-US" smtClean="0"/>
-              <a:t>4/11/2024</a:t>
+              <a:t>4/12/2024</a:t>
             </a:fld>
             <a:endParaRPr lang="en-US"/>
           </a:p>
@@ -2093,7 +2101,7 @@
           <a:p>
             <a:fld id="{53371A1F-F37C-4C33-9AAC-EED40B1C1F3A}" type="datetimeFigureOut">
               <a:rPr lang="en-US" smtClean="0"/>
-              <a:t>4/11/2024</a:t>
+              <a:t>4/12/2024</a:t>
             </a:fld>
             <a:endParaRPr lang="en-US"/>
           </a:p>
@@ -2346,7 +2354,7 @@
           <a:p>
             <a:fld id="{53371A1F-F37C-4C33-9AAC-EED40B1C1F3A}" type="datetimeFigureOut">
               <a:rPr lang="en-US" smtClean="0"/>
-              <a:t>4/11/2024</a:t>
+              <a:t>4/12/2024</a:t>
             </a:fld>
             <a:endParaRPr lang="en-US"/>
           </a:p>
@@ -2559,7 +2567,7 @@
           <a:p>
             <a:fld id="{53371A1F-F37C-4C33-9AAC-EED40B1C1F3A}" type="datetimeFigureOut">
               <a:rPr lang="en-US" smtClean="0"/>
-              <a:t>4/11/2024</a:t>
+              <a:t>4/12/2024</a:t>
             </a:fld>
             <a:endParaRPr lang="en-US"/>
           </a:p>
@@ -3338,6 +3346,373 @@
 </p:sld>
 </file>
 
+<file path=ppt/slides/slide2.xml><?xml version="1.0" encoding="utf-8"?>
+<p:sld xmlns:a="http://schemas.openxmlformats.org/drawingml/2006/main" xmlns:r="http://schemas.openxmlformats.org/officeDocument/2006/relationships" xmlns:p="http://schemas.openxmlformats.org/presentationml/2006/main">
+  <p:cSld>
+    <p:spTree>
+      <p:nvGrpSpPr>
+        <p:cNvPr id="1" name=""/>
+        <p:cNvGrpSpPr/>
+        <p:nvPr/>
+      </p:nvGrpSpPr>
+      <p:grpSpPr>
+        <a:xfrm>
+          <a:off x="0" y="0"/>
+          <a:ext cx="0" cy="0"/>
+          <a:chOff x="0" y="0"/>
+          <a:chExt cx="0" cy="0"/>
+        </a:xfrm>
+      </p:grpSpPr>
+      <p:sp>
+        <p:nvSpPr>
+          <p:cNvPr id="4" name="CuadroTexto 3"/>
+          <p:cNvSpPr txBox="1"/>
+          <p:nvPr/>
+        </p:nvSpPr>
+        <p:spPr>
+          <a:xfrm>
+            <a:off x="4238897" y="235131"/>
+            <a:ext cx="4127862" cy="523220"/>
+          </a:xfrm>
+          <a:prstGeom prst="rect">
+            <a:avLst/>
+          </a:prstGeom>
+          <a:noFill/>
+        </p:spPr>
+        <p:txBody>
+          <a:bodyPr wrap="square" rtlCol="0">
+            <a:spAutoFit/>
+          </a:bodyPr>
+          <a:lstStyle/>
+          <a:p>
+            <a:pPr algn="ctr"/>
+            <a:r>
+              <a:rPr lang="es-ES" sz="2800" b="1" dirty="0" smtClean="0">
+                <a:solidFill>
+                  <a:schemeClr val="accent5"/>
+                </a:solidFill>
+                <a:latin typeface="Arial" panose="020B0604020202020204" pitchFamily="34" charset="0"/>
+                <a:cs typeface="Arial" panose="020B0604020202020204" pitchFamily="34" charset="0"/>
+              </a:rPr>
+              <a:t>SUBCONSULTAS</a:t>
+            </a:r>
+            <a:endParaRPr lang="en-US" sz="2800" b="1" dirty="0">
+              <a:solidFill>
+                <a:schemeClr val="accent5"/>
+              </a:solidFill>
+              <a:latin typeface="Arial" panose="020B0604020202020204" pitchFamily="34" charset="0"/>
+              <a:cs typeface="Arial" panose="020B0604020202020204" pitchFamily="34" charset="0"/>
+            </a:endParaRPr>
+          </a:p>
+        </p:txBody>
+      </p:sp>
+      <p:graphicFrame>
+        <p:nvGraphicFramePr>
+          <p:cNvPr id="5" name="Tabla 4"/>
+          <p:cNvGraphicFramePr>
+            <a:graphicFrameLocks noGrp="1"/>
+          </p:cNvGraphicFramePr>
+          <p:nvPr>
+            <p:extLst>
+              <p:ext uri="{D42A27DB-BD31-4B8C-83A1-F6EECF244321}">
+                <p14:modId xmlns:p14="http://schemas.microsoft.com/office/powerpoint/2010/main" val="1238437422"/>
+              </p:ext>
+            </p:extLst>
+          </p:nvPr>
+        </p:nvGraphicFramePr>
+        <p:xfrm>
+          <a:off x="966651" y="1528353"/>
+          <a:ext cx="10672354" cy="1524000"/>
+        </p:xfrm>
+        <a:graphic>
+          <a:graphicData uri="http://schemas.openxmlformats.org/drawingml/2006/table">
+            <a:tbl>
+              <a:tblPr bandRow="1">
+                <a:tableStyleId>{5C22544A-7EE6-4342-B048-85BDC9FD1C3A}</a:tableStyleId>
+              </a:tblPr>
+              <a:tblGrid>
+                <a:gridCol w="2886892">
+                  <a:extLst>
+                    <a:ext uri="{9D8B030D-6E8A-4147-A177-3AD203B41FA5}">
+                      <a16:colId xmlns:a16="http://schemas.microsoft.com/office/drawing/2014/main" val="2524203624"/>
+                    </a:ext>
+                  </a:extLst>
+                </a:gridCol>
+                <a:gridCol w="7785462">
+                  <a:extLst>
+                    <a:ext uri="{9D8B030D-6E8A-4147-A177-3AD203B41FA5}">
+                      <a16:colId xmlns:a16="http://schemas.microsoft.com/office/drawing/2014/main" val="2681709946"/>
+                    </a:ext>
+                  </a:extLst>
+                </a:gridCol>
+              </a:tblGrid>
+              <a:tr h="501951">
+                <a:tc>
+                  <a:txBody>
+                    <a:bodyPr/>
+                    <a:lstStyle/>
+                    <a:p>
+                      <a:r>
+                        <a:rPr lang="es-ES" sz="3200" b="1" dirty="0" smtClean="0">
+                          <a:solidFill>
+                            <a:schemeClr val="accent5"/>
+                          </a:solidFill>
+                        </a:rPr>
+                        <a:t>CONSULTA</a:t>
+                      </a:r>
+                      <a:endParaRPr lang="en-US" sz="3200" b="1" dirty="0">
+                        <a:solidFill>
+                          <a:schemeClr val="accent5"/>
+                        </a:solidFill>
+                      </a:endParaRPr>
+                    </a:p>
+                  </a:txBody>
+                  <a:tcPr anchor="ctr"/>
+                </a:tc>
+                <a:tc>
+                  <a:txBody>
+                    <a:bodyPr/>
+                    <a:lstStyle/>
+                    <a:p>
+                      <a:r>
+                        <a:rPr lang="es-ES" sz="2800" b="0" dirty="0" smtClean="0"/>
+                        <a:t>SELECT,</a:t>
+                      </a:r>
+                      <a:r>
+                        <a:rPr lang="es-ES" sz="2800" b="0" baseline="0" dirty="0" smtClean="0"/>
+                        <a:t> INSERT, UPDATE o DELETE</a:t>
+                      </a:r>
+                      <a:endParaRPr lang="en-US" sz="2800" b="0" dirty="0"/>
+                    </a:p>
+                  </a:txBody>
+                  <a:tcPr anchor="ctr"/>
+                </a:tc>
+                <a:extLst>
+                  <a:ext uri="{0D108BD9-81ED-4DB2-BD59-A6C34878D82A}">
+                    <a16:rowId xmlns:a16="http://schemas.microsoft.com/office/drawing/2014/main" val="2755021437"/>
+                  </a:ext>
+                </a:extLst>
+              </a:tr>
+              <a:tr h="370840">
+                <a:tc>
+                  <a:txBody>
+                    <a:bodyPr/>
+                    <a:lstStyle/>
+                    <a:p>
+                      <a:r>
+                        <a:rPr lang="es-ES" sz="3200" b="1" dirty="0" smtClean="0">
+                          <a:solidFill>
+                            <a:schemeClr val="accent5"/>
+                          </a:solidFill>
+                        </a:rPr>
+                        <a:t>SUBCONSULTA</a:t>
+                      </a:r>
+                      <a:endParaRPr lang="en-US" sz="3200" b="1" dirty="0">
+                        <a:solidFill>
+                          <a:schemeClr val="accent5"/>
+                        </a:solidFill>
+                      </a:endParaRPr>
+                    </a:p>
+                  </a:txBody>
+                  <a:tcPr anchor="ctr"/>
+                </a:tc>
+                <a:tc>
+                  <a:txBody>
+                    <a:bodyPr/>
+                    <a:lstStyle/>
+                    <a:p>
+                      <a:r>
+                        <a:rPr lang="es-ES" sz="2800" b="0" dirty="0" smtClean="0"/>
+                        <a:t>Sentencia</a:t>
+                      </a:r>
+                      <a:r>
+                        <a:rPr lang="es-ES" sz="2800" b="0" baseline="0" dirty="0" smtClean="0"/>
+                        <a:t> SELECT dentro de una consulta.</a:t>
+                      </a:r>
+                    </a:p>
+                    <a:p>
+                      <a:r>
+                        <a:rPr lang="es-ES" sz="2800" b="0" baseline="0" dirty="0" smtClean="0"/>
+                        <a:t>La </a:t>
+                      </a:r>
+                      <a:r>
+                        <a:rPr lang="es-ES" sz="2800" b="0" baseline="0" dirty="0" err="1" smtClean="0"/>
+                        <a:t>subconsulta</a:t>
+                      </a:r>
+                      <a:r>
+                        <a:rPr lang="es-ES" sz="2800" b="0" baseline="0" dirty="0" smtClean="0"/>
+                        <a:t> debe estar entre paréntesis.</a:t>
+                      </a:r>
+                    </a:p>
+                  </a:txBody>
+                  <a:tcPr anchor="ctr"/>
+                </a:tc>
+                <a:extLst>
+                  <a:ext uri="{0D108BD9-81ED-4DB2-BD59-A6C34878D82A}">
+                    <a16:rowId xmlns:a16="http://schemas.microsoft.com/office/drawing/2014/main" val="476516633"/>
+                  </a:ext>
+                </a:extLst>
+              </a:tr>
+            </a:tbl>
+          </a:graphicData>
+        </a:graphic>
+      </p:graphicFrame>
+    </p:spTree>
+    <p:extLst>
+      <p:ext uri="{BB962C8B-B14F-4D97-AF65-F5344CB8AC3E}">
+        <p14:creationId xmlns:p14="http://schemas.microsoft.com/office/powerpoint/2010/main" val="3326931271"/>
+      </p:ext>
+    </p:extLst>
+  </p:cSld>
+  <p:clrMapOvr>
+    <a:masterClrMapping/>
+  </p:clrMapOvr>
+</p:sld>
+</file>
+
+<file path=ppt/slides/slide3.xml><?xml version="1.0" encoding="utf-8"?>
+<p:sld xmlns:a="http://schemas.openxmlformats.org/drawingml/2006/main" xmlns:r="http://schemas.openxmlformats.org/officeDocument/2006/relationships" xmlns:p="http://schemas.openxmlformats.org/presentationml/2006/main">
+  <p:cSld>
+    <p:spTree>
+      <p:nvGrpSpPr>
+        <p:cNvPr id="1" name=""/>
+        <p:cNvGrpSpPr/>
+        <p:nvPr/>
+      </p:nvGrpSpPr>
+      <p:grpSpPr>
+        <a:xfrm>
+          <a:off x="0" y="0"/>
+          <a:ext cx="0" cy="0"/>
+          <a:chOff x="0" y="0"/>
+          <a:chExt cx="0" cy="0"/>
+        </a:xfrm>
+      </p:grpSpPr>
+      <p:sp>
+        <p:nvSpPr>
+          <p:cNvPr id="4" name="CuadroTexto 3"/>
+          <p:cNvSpPr txBox="1"/>
+          <p:nvPr/>
+        </p:nvSpPr>
+        <p:spPr>
+          <a:xfrm>
+            <a:off x="966651" y="235131"/>
+            <a:ext cx="10672354" cy="523220"/>
+          </a:xfrm>
+          <a:prstGeom prst="rect">
+            <a:avLst/>
+          </a:prstGeom>
+          <a:noFill/>
+        </p:spPr>
+        <p:txBody>
+          <a:bodyPr wrap="square" rtlCol="0">
+            <a:spAutoFit/>
+          </a:bodyPr>
+          <a:lstStyle/>
+          <a:p>
+            <a:pPr algn="ctr"/>
+            <a:r>
+              <a:rPr lang="es-ES" sz="2800" b="1" dirty="0">
+                <a:solidFill>
+                  <a:schemeClr val="accent5"/>
+                </a:solidFill>
+                <a:latin typeface="Arial" panose="020B0604020202020204" pitchFamily="34" charset="0"/>
+                <a:cs typeface="Arial" panose="020B0604020202020204" pitchFamily="34" charset="0"/>
+              </a:rPr>
+              <a:t>CTE </a:t>
+            </a:r>
+            <a:r>
+              <a:rPr lang="es-ES" sz="2800" b="1" dirty="0" smtClean="0">
+                <a:solidFill>
+                  <a:schemeClr val="accent5"/>
+                </a:solidFill>
+                <a:latin typeface="Arial" panose="020B0604020202020204" pitchFamily="34" charset="0"/>
+                <a:cs typeface="Arial" panose="020B0604020202020204" pitchFamily="34" charset="0"/>
+              </a:rPr>
+              <a:t>– COMMON TABLE EXPRESSION</a:t>
+            </a:r>
+            <a:endParaRPr lang="en-US" sz="2800" b="1" dirty="0">
+              <a:solidFill>
+                <a:schemeClr val="accent5"/>
+              </a:solidFill>
+              <a:latin typeface="Arial" panose="020B0604020202020204" pitchFamily="34" charset="0"/>
+              <a:cs typeface="Arial" panose="020B0604020202020204" pitchFamily="34" charset="0"/>
+            </a:endParaRPr>
+          </a:p>
+        </p:txBody>
+      </p:sp>
+      <p:sp>
+        <p:nvSpPr>
+          <p:cNvPr id="2" name="CuadroTexto 1"/>
+          <p:cNvSpPr txBox="1"/>
+          <p:nvPr/>
+        </p:nvSpPr>
+        <p:spPr>
+          <a:xfrm>
+            <a:off x="907868" y="1423851"/>
+            <a:ext cx="10789919" cy="4601391"/>
+          </a:xfrm>
+          <a:prstGeom prst="rect">
+            <a:avLst/>
+          </a:prstGeom>
+          <a:noFill/>
+        </p:spPr>
+        <p:txBody>
+          <a:bodyPr wrap="square" rtlCol="0">
+            <a:normAutofit/>
+          </a:bodyPr>
+          <a:lstStyle/>
+          <a:p>
+            <a:r>
+              <a:rPr lang="es-ES" sz="4400" dirty="0" smtClean="0"/>
+              <a:t>Desarrollas consultas parciales, y luego los resultados los juntas en una sola consulta.</a:t>
+            </a:r>
+            <a:endParaRPr lang="en-US" sz="4400" dirty="0"/>
+          </a:p>
+        </p:txBody>
+      </p:sp>
+    </p:spTree>
+    <p:extLst>
+      <p:ext uri="{BB962C8B-B14F-4D97-AF65-F5344CB8AC3E}">
+        <p14:creationId xmlns:p14="http://schemas.microsoft.com/office/powerpoint/2010/main" val="2049388801"/>
+      </p:ext>
+    </p:extLst>
+  </p:cSld>
+  <p:clrMapOvr>
+    <a:masterClrMapping/>
+  </p:clrMapOvr>
+</p:sld>
+</file>
+
+<file path=ppt/slides/slide4.xml><?xml version="1.0" encoding="utf-8"?>
+<p:sld xmlns:a="http://schemas.openxmlformats.org/drawingml/2006/main" xmlns:r="http://schemas.openxmlformats.org/officeDocument/2006/relationships" xmlns:p="http://schemas.openxmlformats.org/presentationml/2006/main">
+  <p:cSld>
+    <p:spTree>
+      <p:nvGrpSpPr>
+        <p:cNvPr id="1" name=""/>
+        <p:cNvGrpSpPr/>
+        <p:nvPr/>
+      </p:nvGrpSpPr>
+      <p:grpSpPr>
+        <a:xfrm>
+          <a:off x="0" y="0"/>
+          <a:ext cx="0" cy="0"/>
+          <a:chOff x="0" y="0"/>
+          <a:chExt cx="0" cy="0"/>
+        </a:xfrm>
+      </p:grpSpPr>
+    </p:spTree>
+    <p:extLst>
+      <p:ext uri="{BB962C8B-B14F-4D97-AF65-F5344CB8AC3E}">
+        <p14:creationId xmlns:p14="http://schemas.microsoft.com/office/powerpoint/2010/main" val="564935558"/>
+      </p:ext>
+    </p:extLst>
+  </p:cSld>
+  <p:clrMapOvr>
+    <a:masterClrMapping/>
+  </p:clrMapOvr>
+</p:sld>
+</file>
+
 <file path=ppt/theme/theme1.xml><?xml version="1.0" encoding="utf-8"?>
 <a:theme xmlns:a="http://schemas.openxmlformats.org/drawingml/2006/main" name="Tema de Office">
   <a:themeElements>
